--- a/Final_Project/Final Project Presentation.pptx
+++ b/Final_Project/Final Project Presentation.pptx
@@ -4257,19 +4257,19 @@
         <a:p>
           <a:pPr algn="just"/>
           <a:r>
-            <a:rPr lang="en-US" sz="2600" smtClean="0"/>
+            <a:rPr lang="en-US" sz="2600" dirty="0" smtClean="0"/>
             <a:t>Flask</a:t>
           </a:r>
           <a:r>
-            <a:rPr lang="en-US" sz="2600" baseline="0" smtClean="0"/>
+            <a:rPr lang="en-US" sz="2600" baseline="0" dirty="0" smtClean="0"/>
             <a:t> - </a:t>
           </a:r>
           <a:r>
-            <a:rPr lang="en-US" sz="2600" smtClean="0"/>
+            <a:rPr lang="en-US" sz="2600" dirty="0" smtClean="0"/>
             <a:t>HTML</a:t>
           </a:r>
           <a:r>
-            <a:rPr lang="en-US" sz="2600" baseline="0" smtClean="0"/>
+            <a:rPr lang="en-US" sz="2600" baseline="0" dirty="0" smtClean="0"/>
             <a:t> </a:t>
           </a:r>
           <a:endParaRPr lang="en-US" sz="2600" dirty="0"/>
@@ -7285,19 +7285,19 @@
             </a:spcAft>
           </a:pPr>
           <a:r>
-            <a:rPr lang="en-US" sz="2600" kern="1200" smtClean="0"/>
+            <a:rPr lang="en-US" sz="2600" kern="1200" dirty="0" smtClean="0"/>
             <a:t>Flask</a:t>
           </a:r>
           <a:r>
-            <a:rPr lang="en-US" sz="2600" kern="1200" baseline="0" smtClean="0"/>
+            <a:rPr lang="en-US" sz="2600" kern="1200" baseline="0" dirty="0" smtClean="0"/>
             <a:t> - </a:t>
           </a:r>
           <a:r>
-            <a:rPr lang="en-US" sz="2600" kern="1200" smtClean="0"/>
+            <a:rPr lang="en-US" sz="2600" kern="1200" dirty="0" smtClean="0"/>
             <a:t>HTML</a:t>
           </a:r>
           <a:r>
-            <a:rPr lang="en-US" sz="2600" kern="1200" baseline="0" smtClean="0"/>
+            <a:rPr lang="en-US" sz="2600" kern="1200" baseline="0" dirty="0" smtClean="0"/>
             <a:t> </a:t>
           </a:r>
           <a:endParaRPr lang="en-US" sz="2600" kern="1200" dirty="0"/>
@@ -21930,7 +21930,7 @@
           <p:nvPr/>
         </p:nvPicPr>
         <p:blipFill>
-          <a:blip r:embed="rId20">
+          <a:blip r:embed="rId19">
             <a:alphaModFix amt="70000"/>
             <a:extLst>
               <a:ext uri="{28A0092B-C50C-407E-A947-70E740481C1C}">
@@ -22895,7 +22895,7 @@
               <a:t>Akurasi</a:t>
             </a:r>
             <a:r>
-              <a:rPr lang="en-US" sz="2800" dirty="0" smtClean="0">
+              <a:rPr lang="en-US" sz="2800" smtClean="0">
                 <a:ln w="0"/>
                 <a:solidFill>
                   <a:schemeClr val="bg1"/>
@@ -22908,7 +22908,7 @@
                   </a:outerShdw>
                 </a:effectLst>
               </a:rPr>
-              <a:t> 85.25%</a:t>
+              <a:t> 86.88%</a:t>
             </a:r>
             <a:endParaRPr lang="en-US" sz="2800" dirty="0">
               <a:ln w="0"/>
